--- a/_posts/ithome/2021/27.機器學習常犯錯的十件事/27.AI常犯錯的十件事.pptx
+++ b/_posts/ithome/2021/27.機器學習常犯錯的十件事/27.AI常犯錯的十件事.pptx
@@ -198,7 +198,7 @@
           <a:p>
             <a:fld id="{BBFFE07A-BDF1-954B-B10B-AE04F1DE4DDC}" type="datetimeFigureOut">
               <a:rPr lang="en-TW" smtClean="0"/>
-              <a:t>2021/10/4</a:t>
+              <a:t>2021/12/19</a:t>
             </a:fld>
             <a:endParaRPr lang="en-TW"/>
           </a:p>
@@ -707,7 +707,7 @@
           <a:p>
             <a:fld id="{FF2F5D96-CBC4-7341-B710-B8844D32A52F}" type="datetimeFigureOut">
               <a:rPr lang="en-TW" smtClean="0"/>
-              <a:t>2021/10/4</a:t>
+              <a:t>2021/12/19</a:t>
             </a:fld>
             <a:endParaRPr lang="en-TW"/>
           </a:p>
@@ -907,7 +907,7 @@
           <a:p>
             <a:fld id="{FF2F5D96-CBC4-7341-B710-B8844D32A52F}" type="datetimeFigureOut">
               <a:rPr lang="en-TW" smtClean="0"/>
-              <a:t>2021/10/4</a:t>
+              <a:t>2021/12/19</a:t>
             </a:fld>
             <a:endParaRPr lang="en-TW"/>
           </a:p>
@@ -1117,7 +1117,7 @@
           <a:p>
             <a:fld id="{FF2F5D96-CBC4-7341-B710-B8844D32A52F}" type="datetimeFigureOut">
               <a:rPr lang="en-TW" smtClean="0"/>
-              <a:t>2021/10/4</a:t>
+              <a:t>2021/12/19</a:t>
             </a:fld>
             <a:endParaRPr lang="en-TW"/>
           </a:p>
@@ -1317,7 +1317,7 @@
           <a:p>
             <a:fld id="{FF2F5D96-CBC4-7341-B710-B8844D32A52F}" type="datetimeFigureOut">
               <a:rPr lang="en-TW" smtClean="0"/>
-              <a:t>2021/10/4</a:t>
+              <a:t>2021/12/19</a:t>
             </a:fld>
             <a:endParaRPr lang="en-TW"/>
           </a:p>
@@ -1593,7 +1593,7 @@
           <a:p>
             <a:fld id="{FF2F5D96-CBC4-7341-B710-B8844D32A52F}" type="datetimeFigureOut">
               <a:rPr lang="en-TW" smtClean="0"/>
-              <a:t>2021/10/4</a:t>
+              <a:t>2021/12/19</a:t>
             </a:fld>
             <a:endParaRPr lang="en-TW"/>
           </a:p>
@@ -1861,7 +1861,7 @@
           <a:p>
             <a:fld id="{FF2F5D96-CBC4-7341-B710-B8844D32A52F}" type="datetimeFigureOut">
               <a:rPr lang="en-TW" smtClean="0"/>
-              <a:t>2021/10/4</a:t>
+              <a:t>2021/12/19</a:t>
             </a:fld>
             <a:endParaRPr lang="en-TW"/>
           </a:p>
@@ -2276,7 +2276,7 @@
           <a:p>
             <a:fld id="{FF2F5D96-CBC4-7341-B710-B8844D32A52F}" type="datetimeFigureOut">
               <a:rPr lang="en-TW" smtClean="0"/>
-              <a:t>2021/10/4</a:t>
+              <a:t>2021/12/19</a:t>
             </a:fld>
             <a:endParaRPr lang="en-TW"/>
           </a:p>
@@ -2418,7 +2418,7 @@
           <a:p>
             <a:fld id="{FF2F5D96-CBC4-7341-B710-B8844D32A52F}" type="datetimeFigureOut">
               <a:rPr lang="en-TW" smtClean="0"/>
-              <a:t>2021/10/4</a:t>
+              <a:t>2021/12/19</a:t>
             </a:fld>
             <a:endParaRPr lang="en-TW"/>
           </a:p>
@@ -2531,7 +2531,7 @@
           <a:p>
             <a:fld id="{FF2F5D96-CBC4-7341-B710-B8844D32A52F}" type="datetimeFigureOut">
               <a:rPr lang="en-TW" smtClean="0"/>
-              <a:t>2021/10/4</a:t>
+              <a:t>2021/12/19</a:t>
             </a:fld>
             <a:endParaRPr lang="en-TW"/>
           </a:p>
@@ -2844,7 +2844,7 @@
           <a:p>
             <a:fld id="{FF2F5D96-CBC4-7341-B710-B8844D32A52F}" type="datetimeFigureOut">
               <a:rPr lang="en-TW" smtClean="0"/>
-              <a:t>2021/10/4</a:t>
+              <a:t>2021/12/19</a:t>
             </a:fld>
             <a:endParaRPr lang="en-TW"/>
           </a:p>
@@ -3133,7 +3133,7 @@
           <a:p>
             <a:fld id="{FF2F5D96-CBC4-7341-B710-B8844D32A52F}" type="datetimeFigureOut">
               <a:rPr lang="en-TW" smtClean="0"/>
-              <a:t>2021/10/4</a:t>
+              <a:t>2021/12/19</a:t>
             </a:fld>
             <a:endParaRPr lang="en-TW"/>
           </a:p>
@@ -3376,7 +3376,7 @@
           <a:p>
             <a:fld id="{FF2F5D96-CBC4-7341-B710-B8844D32A52F}" type="datetimeFigureOut">
               <a:rPr lang="en-TW" smtClean="0"/>
-              <a:t>2021/10/4</a:t>
+              <a:t>2021/12/19</a:t>
             </a:fld>
             <a:endParaRPr lang="en-TW"/>
           </a:p>
@@ -6753,8 +6753,8 @@
           </p:graphicFrame>
         </mc:Fallback>
       </mc:AlternateContent>
-      <mc:AlternateContent xmlns:mc="http://schemas.openxmlformats.org/markup-compatibility/2006" xmlns:a14="http://schemas.microsoft.com/office/drawing/2010/main">
-        <mc:Choice Requires="a14">
+      <mc:AlternateContent xmlns:mc="http://schemas.openxmlformats.org/markup-compatibility/2006">
+        <mc:Choice xmlns:a14="http://schemas.microsoft.com/office/drawing/2010/main" Requires="a14">
           <p:sp>
             <p:nvSpPr>
               <p:cNvPr id="4" name="Rectangle 3">
@@ -6828,7 +6828,13 @@
                             <a:rPr lang="en-US" altLang="zh-TW" b="0" i="1" dirty="0" smtClean="0">
                               <a:latin typeface="Cambria Math" panose="02040503050406030204" pitchFamily="18" charset="0"/>
                             </a:rPr>
-                            <m:t>𝑆𝑆𝑇</m:t>
+                            <m:t>𝑇</m:t>
+                          </m:r>
+                          <m:r>
+                            <a:rPr lang="en-US" altLang="zh-TW" b="0" i="1" dirty="0" smtClean="0">
+                              <a:latin typeface="Cambria Math" panose="02040503050406030204" pitchFamily="18" charset="0"/>
+                            </a:rPr>
+                            <m:t>𝑆𝑆</m:t>
                           </m:r>
                         </m:den>
                       </m:f>
@@ -6859,7 +6865,13 @@
                             <a:rPr lang="en-US" altLang="zh-TW" b="0" i="1" dirty="0" smtClean="0">
                               <a:latin typeface="Cambria Math" panose="02040503050406030204" pitchFamily="18" charset="0"/>
                             </a:rPr>
-                            <m:t>𝑆𝑆𝑇</m:t>
+                            <m:t>𝑇</m:t>
+                          </m:r>
+                          <m:r>
+                            <a:rPr lang="en-US" altLang="zh-TW" b="0" i="1" dirty="0" smtClean="0">
+                              <a:latin typeface="Cambria Math" panose="02040503050406030204" pitchFamily="18" charset="0"/>
+                            </a:rPr>
+                            <m:t>𝑆𝑆</m:t>
                           </m:r>
                         </m:den>
                       </m:f>
@@ -6871,7 +6883,7 @@
             </p:txBody>
           </p:sp>
         </mc:Choice>
-        <mc:Fallback xmlns="">
+        <mc:Fallback>
           <p:sp>
             <p:nvSpPr>
               <p:cNvPr id="4" name="Rectangle 3">
@@ -6986,7 +6998,7 @@
               <a:effectLst/>
               <a:extLst>
                 <a:ext uri="{C572A759-6A51-4108-AA02-DFA0A04FC94B}">
-                  <ma14:wrappingTextBoxFlag xmlns:ma14="http://schemas.microsoft.com/office/mac/drawingml/2011/main" xmlns:a14="http://schemas.microsoft.com/office/drawing/2010/main" xmlns:m="http://schemas.openxmlformats.org/officeDocument/2006/math" xmlns="" val="1"/>
+                  <ma14:wrappingTextBoxFlag xmlns="" xmlns:m="http://schemas.openxmlformats.org/officeDocument/2006/math" xmlns:a14="http://schemas.microsoft.com/office/drawing/2010/main" xmlns:ma14="http://schemas.microsoft.com/office/mac/drawingml/2011/main" val="1"/>
                 </a:ext>
               </a:extLst>
             </p:spPr>
@@ -7176,7 +7188,7 @@
               <a:effectLst/>
               <a:extLst>
                 <a:ext uri="{C572A759-6A51-4108-AA02-DFA0A04FC94B}">
-                  <ma14:wrappingTextBoxFlag xmlns:ma14="http://schemas.microsoft.com/office/mac/drawingml/2011/main" xmlns:a14="http://schemas.microsoft.com/office/drawing/2010/main" xmlns:m="http://schemas.openxmlformats.org/officeDocument/2006/math" xmlns="" val="1"/>
+                  <ma14:wrappingTextBoxFlag xmlns="" xmlns:m="http://schemas.openxmlformats.org/officeDocument/2006/math" xmlns:a14="http://schemas.microsoft.com/office/drawing/2010/main" xmlns:ma14="http://schemas.microsoft.com/office/mac/drawingml/2011/main" val="1"/>
                 </a:ext>
               </a:extLst>
             </p:spPr>
@@ -7391,7 +7403,7 @@
               <a:effectLst/>
               <a:extLst>
                 <a:ext uri="{C572A759-6A51-4108-AA02-DFA0A04FC94B}">
-                  <ma14:wrappingTextBoxFlag xmlns:ma14="http://schemas.microsoft.com/office/mac/drawingml/2011/main" xmlns:a14="http://schemas.microsoft.com/office/drawing/2010/main" xmlns:m="http://schemas.openxmlformats.org/officeDocument/2006/math" xmlns="" val="1"/>
+                  <ma14:wrappingTextBoxFlag xmlns="" xmlns:m="http://schemas.openxmlformats.org/officeDocument/2006/math" xmlns:a14="http://schemas.microsoft.com/office/drawing/2010/main" xmlns:ma14="http://schemas.microsoft.com/office/mac/drawingml/2011/main" val="1"/>
                 </a:ext>
               </a:extLst>
             </p:spPr>
@@ -7714,8 +7726,8 @@
           </a:p>
         </p:txBody>
       </p:sp>
-      <mc:AlternateContent xmlns:mc="http://schemas.openxmlformats.org/markup-compatibility/2006">
-        <mc:Choice xmlns:a14="http://schemas.microsoft.com/office/drawing/2010/main" Requires="a14">
+      <mc:AlternateContent xmlns:mc="http://schemas.openxmlformats.org/markup-compatibility/2006" xmlns:a14="http://schemas.microsoft.com/office/drawing/2010/main">
+        <mc:Choice Requires="a14">
           <p:sp>
             <p:nvSpPr>
               <p:cNvPr id="5" name="Rectangle 4">
@@ -7787,7 +7799,7 @@
             </p:txBody>
           </p:sp>
         </mc:Choice>
-        <mc:Fallback>
+        <mc:Fallback xmlns="">
           <p:sp>
             <p:nvSpPr>
               <p:cNvPr id="5" name="Rectangle 4">
@@ -7902,7 +7914,7 @@
               <a:effectLst/>
               <a:extLst>
                 <a:ext uri="{C572A759-6A51-4108-AA02-DFA0A04FC94B}">
-                  <ma14:wrappingTextBoxFlag xmlns:ma14="http://schemas.microsoft.com/office/mac/drawingml/2011/main" xmlns:a14="http://schemas.microsoft.com/office/drawing/2010/main" xmlns:m="http://schemas.openxmlformats.org/officeDocument/2006/math" xmlns="" val="1"/>
+                  <ma14:wrappingTextBoxFlag xmlns="" xmlns:m="http://schemas.openxmlformats.org/officeDocument/2006/math" xmlns:a14="http://schemas.microsoft.com/office/drawing/2010/main" xmlns:ma14="http://schemas.microsoft.com/office/mac/drawingml/2011/main" val="1"/>
                 </a:ext>
               </a:extLst>
             </p:spPr>
@@ -8092,7 +8104,7 @@
               <a:effectLst/>
               <a:extLst>
                 <a:ext uri="{C572A759-6A51-4108-AA02-DFA0A04FC94B}">
-                  <ma14:wrappingTextBoxFlag xmlns:ma14="http://schemas.microsoft.com/office/mac/drawingml/2011/main" xmlns:a14="http://schemas.microsoft.com/office/drawing/2010/main" xmlns:m="http://schemas.openxmlformats.org/officeDocument/2006/math" xmlns="" val="1"/>
+                  <ma14:wrappingTextBoxFlag xmlns="" xmlns:m="http://schemas.openxmlformats.org/officeDocument/2006/math" xmlns:a14="http://schemas.microsoft.com/office/drawing/2010/main" xmlns:ma14="http://schemas.microsoft.com/office/mac/drawingml/2011/main" val="1"/>
                 </a:ext>
               </a:extLst>
             </p:spPr>
@@ -8307,7 +8319,7 @@
               <a:effectLst/>
               <a:extLst>
                 <a:ext uri="{C572A759-6A51-4108-AA02-DFA0A04FC94B}">
-                  <ma14:wrappingTextBoxFlag xmlns:ma14="http://schemas.microsoft.com/office/mac/drawingml/2011/main" xmlns:a14="http://schemas.microsoft.com/office/drawing/2010/main" xmlns:m="http://schemas.openxmlformats.org/officeDocument/2006/math" xmlns="" val="1"/>
+                  <ma14:wrappingTextBoxFlag xmlns="" xmlns:m="http://schemas.openxmlformats.org/officeDocument/2006/math" xmlns:a14="http://schemas.microsoft.com/office/drawing/2010/main" xmlns:ma14="http://schemas.microsoft.com/office/mac/drawingml/2011/main" val="1"/>
                 </a:ext>
               </a:extLst>
             </p:spPr>
